--- a/Week 1/intro_to_ml.pptx
+++ b/Week 1/intro_to_ml.pptx
@@ -847,7 +847,7 @@
           <a:p>
             <a:fld id="{8EC1A3CD-294C-4132-A821-50F082FCE4AA}" type="datetimeFigureOut">
               <a:rPr lang="en-US" smtClean="0"/>
-              <a:t>3/13/2021</a:t>
+              <a:t>3/15/2021</a:t>
             </a:fld>
             <a:endParaRPr lang="en-US"/>
           </a:p>
@@ -1098,7 +1098,7 @@
           <a:p>
             <a:fld id="{8EC1A3CD-294C-4132-A821-50F082FCE4AA}" type="datetimeFigureOut">
               <a:rPr lang="en-US" smtClean="0"/>
-              <a:t>3/13/2021</a:t>
+              <a:t>3/15/2021</a:t>
             </a:fld>
             <a:endParaRPr lang="en-US"/>
           </a:p>
@@ -1412,7 +1412,7 @@
           <a:p>
             <a:fld id="{8EC1A3CD-294C-4132-A821-50F082FCE4AA}" type="datetimeFigureOut">
               <a:rPr lang="en-US" smtClean="0"/>
-              <a:t>3/13/2021</a:t>
+              <a:t>3/15/2021</a:t>
             </a:fld>
             <a:endParaRPr lang="en-US"/>
           </a:p>
@@ -1753,7 +1753,7 @@
           <a:p>
             <a:fld id="{8EC1A3CD-294C-4132-A821-50F082FCE4AA}" type="datetimeFigureOut">
               <a:rPr lang="en-US" smtClean="0"/>
-              <a:t>3/13/2021</a:t>
+              <a:t>3/15/2021</a:t>
             </a:fld>
             <a:endParaRPr lang="en-US"/>
           </a:p>
@@ -2067,7 +2067,7 @@
           <a:p>
             <a:fld id="{8EC1A3CD-294C-4132-A821-50F082FCE4AA}" type="datetimeFigureOut">
               <a:rPr lang="en-US" smtClean="0"/>
-              <a:t>3/13/2021</a:t>
+              <a:t>3/15/2021</a:t>
             </a:fld>
             <a:endParaRPr lang="en-US"/>
           </a:p>
@@ -2460,7 +2460,7 @@
           <a:p>
             <a:fld id="{8EC1A3CD-294C-4132-A821-50F082FCE4AA}" type="datetimeFigureOut">
               <a:rPr lang="en-US" smtClean="0"/>
-              <a:t>3/13/2021</a:t>
+              <a:t>3/15/2021</a:t>
             </a:fld>
             <a:endParaRPr lang="en-US"/>
           </a:p>
@@ -2630,7 +2630,7 @@
           <a:p>
             <a:fld id="{8EC1A3CD-294C-4132-A821-50F082FCE4AA}" type="datetimeFigureOut">
               <a:rPr lang="en-US" smtClean="0"/>
-              <a:t>3/13/2021</a:t>
+              <a:t>3/15/2021</a:t>
             </a:fld>
             <a:endParaRPr lang="en-US"/>
           </a:p>
@@ -2810,7 +2810,7 @@
           <a:p>
             <a:fld id="{8EC1A3CD-294C-4132-A821-50F082FCE4AA}" type="datetimeFigureOut">
               <a:rPr lang="en-US" smtClean="0"/>
-              <a:t>3/13/2021</a:t>
+              <a:t>3/15/2021</a:t>
             </a:fld>
             <a:endParaRPr lang="en-US"/>
           </a:p>
@@ -2986,7 +2986,7 @@
           <a:p>
             <a:fld id="{8EC1A3CD-294C-4132-A821-50F082FCE4AA}" type="datetimeFigureOut">
               <a:rPr lang="en-US" smtClean="0"/>
-              <a:t>3/13/2021</a:t>
+              <a:t>3/15/2021</a:t>
             </a:fld>
             <a:endParaRPr lang="en-US"/>
           </a:p>
@@ -3233,7 +3233,7 @@
           <a:p>
             <a:fld id="{8EC1A3CD-294C-4132-A821-50F082FCE4AA}" type="datetimeFigureOut">
               <a:rPr lang="en-US" smtClean="0"/>
-              <a:t>3/13/2021</a:t>
+              <a:t>3/15/2021</a:t>
             </a:fld>
             <a:endParaRPr lang="en-US"/>
           </a:p>
@@ -3465,7 +3465,7 @@
           <a:p>
             <a:fld id="{8EC1A3CD-294C-4132-A821-50F082FCE4AA}" type="datetimeFigureOut">
               <a:rPr lang="en-US" smtClean="0"/>
-              <a:t>3/13/2021</a:t>
+              <a:t>3/15/2021</a:t>
             </a:fld>
             <a:endParaRPr lang="en-US"/>
           </a:p>
@@ -3839,7 +3839,7 @@
           <a:p>
             <a:fld id="{8EC1A3CD-294C-4132-A821-50F082FCE4AA}" type="datetimeFigureOut">
               <a:rPr lang="en-US" smtClean="0"/>
-              <a:t>3/13/2021</a:t>
+              <a:t>3/15/2021</a:t>
             </a:fld>
             <a:endParaRPr lang="en-US"/>
           </a:p>
@@ -3962,7 +3962,7 @@
           <a:p>
             <a:fld id="{8EC1A3CD-294C-4132-A821-50F082FCE4AA}" type="datetimeFigureOut">
               <a:rPr lang="en-US" smtClean="0"/>
-              <a:t>3/13/2021</a:t>
+              <a:t>3/15/2021</a:t>
             </a:fld>
             <a:endParaRPr lang="en-US"/>
           </a:p>
@@ -4057,7 +4057,7 @@
           <a:p>
             <a:fld id="{8EC1A3CD-294C-4132-A821-50F082FCE4AA}" type="datetimeFigureOut">
               <a:rPr lang="en-US" smtClean="0"/>
-              <a:t>3/13/2021</a:t>
+              <a:t>3/15/2021</a:t>
             </a:fld>
             <a:endParaRPr lang="en-US"/>
           </a:p>
@@ -4312,7 +4312,7 @@
           <a:p>
             <a:fld id="{8EC1A3CD-294C-4132-A821-50F082FCE4AA}" type="datetimeFigureOut">
               <a:rPr lang="en-US" smtClean="0"/>
-              <a:t>3/13/2021</a:t>
+              <a:t>3/15/2021</a:t>
             </a:fld>
             <a:endParaRPr lang="en-US"/>
           </a:p>
@@ -4575,7 +4575,7 @@
           <a:p>
             <a:fld id="{8EC1A3CD-294C-4132-A821-50F082FCE4AA}" type="datetimeFigureOut">
               <a:rPr lang="en-US" smtClean="0"/>
-              <a:t>3/13/2021</a:t>
+              <a:t>3/15/2021</a:t>
             </a:fld>
             <a:endParaRPr lang="en-US"/>
           </a:p>
@@ -5318,7 +5318,7 @@
           <a:p>
             <a:fld id="{8EC1A3CD-294C-4132-A821-50F082FCE4AA}" type="datetimeFigureOut">
               <a:rPr lang="en-US" smtClean="0"/>
-              <a:t>3/13/2021</a:t>
+              <a:t>3/15/2021</a:t>
             </a:fld>
             <a:endParaRPr lang="en-US"/>
           </a:p>
@@ -6053,7 +6053,7 @@
           <a:p>
             <a:r>
               <a:rPr lang="en-US"/>
-              <a:t>Minimizing Wrong Predictions</a:t>
+              <a:t>Minimizing Error</a:t>
             </a:r>
           </a:p>
         </p:txBody>
@@ -6591,8 +6591,8 @@
           </a:p>
         </p:txBody>
       </p:sp>
-      <mc:AlternateContent xmlns:mc="http://schemas.openxmlformats.org/markup-compatibility/2006">
-        <mc:Choice xmlns:a14="http://schemas.microsoft.com/office/drawing/2010/main" Requires="a14">
+      <mc:AlternateContent xmlns:mc="http://schemas.openxmlformats.org/markup-compatibility/2006" xmlns:a14="http://schemas.microsoft.com/office/drawing/2010/main">
+        <mc:Choice Requires="a14">
           <p:sp>
             <p:nvSpPr>
               <p:cNvPr id="5" name="TextBox 4">
@@ -6726,7 +6726,7 @@
             </p:txBody>
           </p:sp>
         </mc:Choice>
-        <mc:Fallback>
+        <mc:Fallback xmlns="">
           <p:sp>
             <p:nvSpPr>
               <p:cNvPr id="5" name="TextBox 4">
